--- a/DS_Sat_2020/DS-Day-07 R.pptx
+++ b/DS_Sat_2020/DS-Day-07 R.pptx
@@ -4981,12 +4981,12 @@
               <a:t>Построить </a:t>
             </a:r>
             <a:r>
-              <a:rPr lang="en-US" sz="2400" dirty="0"/>
-              <a:t>polar chart </a:t>
+              <a:rPr lang="ru-RU" sz="2400"/>
+              <a:t>столбчатые диаграммы для </a:t>
             </a:r>
             <a:r>
               <a:rPr lang="ru-RU" sz="2400" dirty="0"/>
-              <a:t>для Украины и любой другой европейской страны. </a:t>
+              <a:t>Украины и любой другой европейской страны. </a:t>
             </a:r>
           </a:p>
         </p:txBody>

--- a/DS_Sat_2020/DS-Day-07 R.pptx
+++ b/DS_Sat_2020/DS-Day-07 R.pptx
@@ -201,7 +201,7 @@
           <a:p>
             <a:fld id="{22783AA6-C1EF-448D-A48A-EF30DCBEFCCC}" type="datetimeFigureOut">
               <a:rPr lang="en-US" smtClean="0"/>
-              <a:t>3/25/20</a:t>
+              <a:t>3/28/20</a:t>
             </a:fld>
             <a:endParaRPr lang="en-US"/>
           </a:p>
@@ -1121,7 +1121,7 @@
           <a:p>
             <a:fld id="{C14F4D0B-68E4-4C14-BD4D-319F9BD213A3}" type="datetimeFigureOut">
               <a:rPr lang="ru-RU" smtClean="0"/>
-              <a:t>25.03.2020</a:t>
+              <a:t>28.03.2020</a:t>
             </a:fld>
             <a:endParaRPr lang="ru-RU"/>
           </a:p>
@@ -1291,7 +1291,7 @@
           <a:p>
             <a:fld id="{C14F4D0B-68E4-4C14-BD4D-319F9BD213A3}" type="datetimeFigureOut">
               <a:rPr lang="ru-RU" smtClean="0"/>
-              <a:t>25.03.2020</a:t>
+              <a:t>28.03.2020</a:t>
             </a:fld>
             <a:endParaRPr lang="ru-RU"/>
           </a:p>
@@ -1471,7 +1471,7 @@
           <a:p>
             <a:fld id="{C14F4D0B-68E4-4C14-BD4D-319F9BD213A3}" type="datetimeFigureOut">
               <a:rPr lang="ru-RU" smtClean="0"/>
-              <a:t>25.03.2020</a:t>
+              <a:t>28.03.2020</a:t>
             </a:fld>
             <a:endParaRPr lang="ru-RU"/>
           </a:p>
@@ -1641,7 +1641,7 @@
           <a:p>
             <a:fld id="{C14F4D0B-68E4-4C14-BD4D-319F9BD213A3}" type="datetimeFigureOut">
               <a:rPr lang="ru-RU" smtClean="0"/>
-              <a:t>25.03.2020</a:t>
+              <a:t>28.03.2020</a:t>
             </a:fld>
             <a:endParaRPr lang="ru-RU"/>
           </a:p>
@@ -1892,7 +1892,7 @@
           <a:p>
             <a:fld id="{C14F4D0B-68E4-4C14-BD4D-319F9BD213A3}" type="datetimeFigureOut">
               <a:rPr lang="ru-RU" smtClean="0"/>
-              <a:t>25.03.2020</a:t>
+              <a:t>28.03.2020</a:t>
             </a:fld>
             <a:endParaRPr lang="ru-RU"/>
           </a:p>
@@ -2124,7 +2124,7 @@
           <a:p>
             <a:fld id="{C14F4D0B-68E4-4C14-BD4D-319F9BD213A3}" type="datetimeFigureOut">
               <a:rPr lang="ru-RU" smtClean="0"/>
-              <a:t>25.03.2020</a:t>
+              <a:t>28.03.2020</a:t>
             </a:fld>
             <a:endParaRPr lang="ru-RU"/>
           </a:p>
@@ -2471,7 +2471,7 @@
           <a:p>
             <a:fld id="{C14F4D0B-68E4-4C14-BD4D-319F9BD213A3}" type="datetimeFigureOut">
               <a:rPr lang="ru-RU" smtClean="0"/>
-              <a:t>25.03.2020</a:t>
+              <a:t>28.03.2020</a:t>
             </a:fld>
             <a:endParaRPr lang="ru-RU"/>
           </a:p>
@@ -2589,7 +2589,7 @@
           <a:p>
             <a:fld id="{C14F4D0B-68E4-4C14-BD4D-319F9BD213A3}" type="datetimeFigureOut">
               <a:rPr lang="ru-RU" smtClean="0"/>
-              <a:t>25.03.2020</a:t>
+              <a:t>28.03.2020</a:t>
             </a:fld>
             <a:endParaRPr lang="ru-RU"/>
           </a:p>
@@ -2707,7 +2707,7 @@
           <a:p>
             <a:fld id="{C14F4D0B-68E4-4C14-BD4D-319F9BD213A3}" type="datetimeFigureOut">
               <a:rPr lang="ru-RU" smtClean="0"/>
-              <a:t>25.03.2020</a:t>
+              <a:t>28.03.2020</a:t>
             </a:fld>
             <a:endParaRPr lang="ru-RU"/>
           </a:p>
@@ -2991,7 +2991,7 @@
           <a:p>
             <a:fld id="{C14F4D0B-68E4-4C14-BD4D-319F9BD213A3}" type="datetimeFigureOut">
               <a:rPr lang="ru-RU" smtClean="0"/>
-              <a:t>25.03.2020</a:t>
+              <a:t>28.03.2020</a:t>
             </a:fld>
             <a:endParaRPr lang="ru-RU"/>
           </a:p>
@@ -3255,7 +3255,7 @@
           <a:p>
             <a:fld id="{C14F4D0B-68E4-4C14-BD4D-319F9BD213A3}" type="datetimeFigureOut">
               <a:rPr lang="ru-RU" smtClean="0"/>
-              <a:t>25.03.2020</a:t>
+              <a:t>28.03.2020</a:t>
             </a:fld>
             <a:endParaRPr lang="ru-RU"/>
           </a:p>
@@ -3469,7 +3469,7 @@
           <a:p>
             <a:fld id="{C14F4D0B-68E4-4C14-BD4D-319F9BD213A3}" type="datetimeFigureOut">
               <a:rPr lang="ru-RU" smtClean="0"/>
-              <a:t>25.03.2020</a:t>
+              <a:t>28.03.2020</a:t>
             </a:fld>
             <a:endParaRPr lang="ru-RU"/>
           </a:p>
@@ -5780,7 +5780,15 @@
           <a:p>
             <a:r>
               <a:rPr lang="ru-RU" sz="2400" dirty="0"/>
-              <a:t>Создать нейронную сеть, которая для развитых стран мира по </a:t>
+              <a:t>Создать нейронную сеть, которая </a:t>
+            </a:r>
+            <a:r>
+              <a:rPr lang="ru-RU" sz="2400"/>
+              <a:t>для стран </a:t>
+            </a:r>
+            <a:r>
+              <a:rPr lang="ru-RU" sz="2400" dirty="0"/>
+              <a:t>мира по </a:t>
             </a:r>
             <a:r>
               <a:rPr lang="en-US" sz="2400" dirty="0"/>
